--- a/Doc/터치 슬라이드.pptx
+++ b/Doc/터치 슬라이드.pptx
@@ -109,6 +109,11 @@
       </a:defRPr>
     </a:lvl9pPr>
   </p:defaultTextStyle>
+  <p:extLst>
+    <p:ext uri="{EFAFB233-063F-42B5-8137-9DF3F51BA10A}">
+      <p15:sldGuideLst xmlns:p15="http://schemas.microsoft.com/office/powerpoint/2012/main"/>
+    </p:ext>
+  </p:extLst>
 </p:presentation>
 </file>
 
@@ -243,7 +248,7 @@
           <a:p>
             <a:fld id="{94034E5F-5E99-458F-A096-C05F7E2F4443}" type="datetimeFigureOut">
               <a:rPr lang="ko-KR" altLang="en-US" smtClean="0"/>
-              <a:t>2024-10-15</a:t>
+              <a:t>2024-11-19</a:t>
             </a:fld>
             <a:endParaRPr lang="ko-KR" altLang="en-US"/>
           </a:p>
@@ -413,7 +418,7 @@
           <a:p>
             <a:fld id="{94034E5F-5E99-458F-A096-C05F7E2F4443}" type="datetimeFigureOut">
               <a:rPr lang="ko-KR" altLang="en-US" smtClean="0"/>
-              <a:t>2024-10-15</a:t>
+              <a:t>2024-11-19</a:t>
             </a:fld>
             <a:endParaRPr lang="ko-KR" altLang="en-US"/>
           </a:p>
@@ -593,7 +598,7 @@
           <a:p>
             <a:fld id="{94034E5F-5E99-458F-A096-C05F7E2F4443}" type="datetimeFigureOut">
               <a:rPr lang="ko-KR" altLang="en-US" smtClean="0"/>
-              <a:t>2024-10-15</a:t>
+              <a:t>2024-11-19</a:t>
             </a:fld>
             <a:endParaRPr lang="ko-KR" altLang="en-US"/>
           </a:p>
@@ -763,7 +768,7 @@
           <a:p>
             <a:fld id="{94034E5F-5E99-458F-A096-C05F7E2F4443}" type="datetimeFigureOut">
               <a:rPr lang="ko-KR" altLang="en-US" smtClean="0"/>
-              <a:t>2024-10-15</a:t>
+              <a:t>2024-11-19</a:t>
             </a:fld>
             <a:endParaRPr lang="ko-KR" altLang="en-US"/>
           </a:p>
@@ -1009,7 +1014,7 @@
           <a:p>
             <a:fld id="{94034E5F-5E99-458F-A096-C05F7E2F4443}" type="datetimeFigureOut">
               <a:rPr lang="ko-KR" altLang="en-US" smtClean="0"/>
-              <a:t>2024-10-15</a:t>
+              <a:t>2024-11-19</a:t>
             </a:fld>
             <a:endParaRPr lang="ko-KR" altLang="en-US"/>
           </a:p>
@@ -1241,7 +1246,7 @@
           <a:p>
             <a:fld id="{94034E5F-5E99-458F-A096-C05F7E2F4443}" type="datetimeFigureOut">
               <a:rPr lang="ko-KR" altLang="en-US" smtClean="0"/>
-              <a:t>2024-10-15</a:t>
+              <a:t>2024-11-19</a:t>
             </a:fld>
             <a:endParaRPr lang="ko-KR" altLang="en-US"/>
           </a:p>
@@ -1608,7 +1613,7 @@
           <a:p>
             <a:fld id="{94034E5F-5E99-458F-A096-C05F7E2F4443}" type="datetimeFigureOut">
               <a:rPr lang="ko-KR" altLang="en-US" smtClean="0"/>
-              <a:t>2024-10-15</a:t>
+              <a:t>2024-11-19</a:t>
             </a:fld>
             <a:endParaRPr lang="ko-KR" altLang="en-US"/>
           </a:p>
@@ -1726,7 +1731,7 @@
           <a:p>
             <a:fld id="{94034E5F-5E99-458F-A096-C05F7E2F4443}" type="datetimeFigureOut">
               <a:rPr lang="ko-KR" altLang="en-US" smtClean="0"/>
-              <a:t>2024-10-15</a:t>
+              <a:t>2024-11-19</a:t>
             </a:fld>
             <a:endParaRPr lang="ko-KR" altLang="en-US"/>
           </a:p>
@@ -1821,7 +1826,7 @@
           <a:p>
             <a:fld id="{94034E5F-5E99-458F-A096-C05F7E2F4443}" type="datetimeFigureOut">
               <a:rPr lang="ko-KR" altLang="en-US" smtClean="0"/>
-              <a:t>2024-10-15</a:t>
+              <a:t>2024-11-19</a:t>
             </a:fld>
             <a:endParaRPr lang="ko-KR" altLang="en-US"/>
           </a:p>
@@ -2098,7 +2103,7 @@
           <a:p>
             <a:fld id="{94034E5F-5E99-458F-A096-C05F7E2F4443}" type="datetimeFigureOut">
               <a:rPr lang="ko-KR" altLang="en-US" smtClean="0"/>
-              <a:t>2024-10-15</a:t>
+              <a:t>2024-11-19</a:t>
             </a:fld>
             <a:endParaRPr lang="ko-KR" altLang="en-US"/>
           </a:p>
@@ -2351,7 +2356,7 @@
           <a:p>
             <a:fld id="{94034E5F-5E99-458F-A096-C05F7E2F4443}" type="datetimeFigureOut">
               <a:rPr lang="ko-KR" altLang="en-US" smtClean="0"/>
-              <a:t>2024-10-15</a:t>
+              <a:t>2024-11-19</a:t>
             </a:fld>
             <a:endParaRPr lang="ko-KR" altLang="en-US"/>
           </a:p>
@@ -2564,7 +2569,7 @@
           <a:p>
             <a:fld id="{94034E5F-5E99-458F-A096-C05F7E2F4443}" type="datetimeFigureOut">
               <a:rPr lang="ko-KR" altLang="en-US" smtClean="0"/>
-              <a:t>2024-10-15</a:t>
+              <a:t>2024-11-19</a:t>
             </a:fld>
             <a:endParaRPr lang="ko-KR" altLang="en-US"/>
           </a:p>
@@ -3646,11 +3651,7 @@
                       <a:pPr latinLnBrk="1"/>
                       <a:r>
                         <a:rPr lang="en-US" altLang="ko-KR" dirty="0" smtClean="0"/>
-                        <a:t>0 ~ </a:t>
-                      </a:r>
-                      <a:r>
-                        <a:rPr lang="en-US" altLang="ko-KR" dirty="0" smtClean="0"/>
-                        <a:t>255</a:t>
+                        <a:t>0 ~ 255</a:t>
                       </a:r>
                       <a:endParaRPr lang="ko-KR" altLang="en-US" dirty="0" smtClean="0"/>
                     </a:p>
@@ -7052,11 +7053,15 @@
               <a:t>(</a:t>
             </a:r>
             <a:r>
-              <a:rPr lang="ko-KR" altLang="en-US" sz="2400" dirty="0" smtClean="0"/>
-              <a:t>재시도 알고리즘 추가</a:t>
-            </a:r>
-            <a:r>
-              <a:rPr lang="en-US" altLang="ko-KR" sz="2400" dirty="0" smtClean="0"/>
+              <a:rPr lang="ko-KR" altLang="en-US" sz="2400" smtClean="0"/>
+              <a:t>재시도 </a:t>
+            </a:r>
+            <a:r>
+              <a:rPr lang="ko-KR" altLang="en-US" sz="2400" smtClean="0"/>
+              <a:t>알고리즘</a:t>
+            </a:r>
+            <a:r>
+              <a:rPr lang="en-US" altLang="ko-KR" sz="2400" smtClean="0"/>
               <a:t>)</a:t>
             </a:r>
             <a:endParaRPr lang="ko-KR" altLang="en-US" sz="2400" dirty="0"/>
@@ -7455,7 +7460,7 @@
         </p:nvSpPr>
         <p:spPr>
           <a:xfrm>
-            <a:off x="2375619" y="2594251"/>
+            <a:off x="1974329" y="2642300"/>
             <a:ext cx="2870543" cy="369332"/>
           </a:xfrm>
           <a:prstGeom prst="rect">
@@ -7528,7 +7533,7 @@
         </p:nvSpPr>
         <p:spPr>
           <a:xfrm>
-            <a:off x="7794913" y="2148687"/>
+            <a:off x="7250205" y="2146547"/>
             <a:ext cx="1708311" cy="230832"/>
           </a:xfrm>
           <a:prstGeom prst="rect">
@@ -7601,8 +7606,8 @@
         </p:nvSpPr>
         <p:spPr>
           <a:xfrm>
-            <a:off x="6292558" y="2504877"/>
-            <a:ext cx="1708311" cy="261610"/>
+            <a:off x="7262390" y="2446582"/>
+            <a:ext cx="711180" cy="261610"/>
           </a:xfrm>
           <a:prstGeom prst="rect">
             <a:avLst/>
@@ -7861,7 +7866,7 @@
         </p:nvSpPr>
         <p:spPr>
           <a:xfrm>
-            <a:off x="2593672" y="5384592"/>
+            <a:off x="2303540" y="5398952"/>
             <a:ext cx="2870543" cy="230832"/>
           </a:xfrm>
           <a:prstGeom prst="rect">
@@ -7882,7 +7887,15 @@
                   <a:schemeClr val="accent2"/>
                 </a:solidFill>
               </a:rPr>
-              <a:t>REQL: [ STX | ACK_LED | CRC(2) | ETX ]</a:t>
+              <a:t>REQ: </a:t>
+            </a:r>
+            <a:r>
+              <a:rPr lang="en-US" altLang="ko-KR" sz="900" b="1" dirty="0" smtClean="0">
+                <a:solidFill>
+                  <a:schemeClr val="accent2"/>
+                </a:solidFill>
+              </a:rPr>
+              <a:t>[ STX | ACK_LED | CRC(2) | ETX ]</a:t>
             </a:r>
             <a:endParaRPr lang="ko-KR" altLang="en-US" sz="900" b="1" dirty="0">
               <a:solidFill>
@@ -8075,7 +8088,7 @@
         </p:nvSpPr>
         <p:spPr>
           <a:xfrm>
-            <a:off x="2356829" y="3105792"/>
+            <a:off x="2006947" y="3114770"/>
             <a:ext cx="2870543" cy="230832"/>
           </a:xfrm>
           <a:prstGeom prst="rect">
@@ -8101,6 +8114,77 @@
             <a:endParaRPr lang="ko-KR" altLang="en-US" sz="900" b="1" dirty="0">
               <a:solidFill>
                 <a:schemeClr val="accent2"/>
+              </a:solidFill>
+            </a:endParaRPr>
+          </a:p>
+        </p:txBody>
+      </p:sp>
+      <p:cxnSp>
+        <p:nvCxnSpPr>
+          <p:cNvPr id="31" name="직선 화살표 연결선 30"/>
+          <p:cNvCxnSpPr/>
+          <p:nvPr/>
+        </p:nvCxnSpPr>
+        <p:spPr>
+          <a:xfrm flipV="1">
+            <a:off x="6262077" y="2574137"/>
+            <a:ext cx="605592" cy="1"/>
+          </a:xfrm>
+          <a:prstGeom prst="straightConnector1">
+            <a:avLst/>
+          </a:prstGeom>
+          <a:ln>
+            <a:tailEnd type="triangle"/>
+          </a:ln>
+        </p:spPr>
+        <p:style>
+          <a:lnRef idx="1">
+            <a:schemeClr val="accent2"/>
+          </a:lnRef>
+          <a:fillRef idx="0">
+            <a:schemeClr val="accent2"/>
+          </a:fillRef>
+          <a:effectRef idx="0">
+            <a:schemeClr val="accent2"/>
+          </a:effectRef>
+          <a:fontRef idx="minor">
+            <a:schemeClr val="tx1"/>
+          </a:fontRef>
+        </p:style>
+      </p:cxnSp>
+      <p:sp>
+        <p:nvSpPr>
+          <p:cNvPr id="32" name="TextBox 31"/>
+          <p:cNvSpPr txBox="1"/>
+          <p:nvPr/>
+        </p:nvSpPr>
+        <p:spPr>
+          <a:xfrm>
+            <a:off x="6754378" y="2446582"/>
+            <a:ext cx="237587" cy="261610"/>
+          </a:xfrm>
+          <a:prstGeom prst="rect">
+            <a:avLst/>
+          </a:prstGeom>
+          <a:noFill/>
+        </p:spPr>
+        <p:txBody>
+          <a:bodyPr wrap="square" rtlCol="0">
+            <a:spAutoFit/>
+          </a:bodyPr>
+          <a:lstStyle/>
+          <a:p>
+            <a:r>
+              <a:rPr lang="en-US" altLang="ko-KR" sz="1050" b="1" dirty="0" smtClean="0">
+                <a:solidFill>
+                  <a:srgbClr val="FF0000"/>
+                </a:solidFill>
+              </a:rPr>
+              <a:t>X</a:t>
+            </a:r>
+            <a:endParaRPr lang="ko-KR" altLang="en-US" sz="1050" b="1" dirty="0">
+              <a:solidFill>
+                <a:srgbClr val="FF0000"/>
               </a:solidFill>
             </a:endParaRPr>
           </a:p>
